--- a/slides/ukraine_day2_1and2.pptx
+++ b/slides/ukraine_day2_1and2.pptx
@@ -11526,7 +11526,7 @@
             </a:r>
             <a:r>
               <a:rPr lang="nb-NO" dirty="0" err="1"/>
-              <a:t>out</a:t>
+              <a:t>our</a:t>
             </a:r>
             <a:r>
               <a:rPr lang="nb-NO" dirty="0"/>
@@ -28965,13 +28965,13 @@
   <p:clrMapOvr>
     <a:masterClrMapping/>
   </p:clrMapOvr>
-  <mc:AlternateContent xmlns:mc="http://schemas.openxmlformats.org/markup-compatibility/2006">
-    <mc:Choice xmlns:p159="http://schemas.microsoft.com/office/powerpoint/2015/09/main" Requires="p159">
+  <mc:AlternateContent xmlns:mc="http://schemas.openxmlformats.org/markup-compatibility/2006" xmlns:p159="http://schemas.microsoft.com/office/powerpoint/2015/09/main">
+    <mc:Choice Requires="p159">
       <p:transition spd="med">
         <p159:morph option="byObject"/>
       </p:transition>
     </mc:Choice>
-    <mc:Fallback>
+    <mc:Fallback xmlns="">
       <p:transition spd="med">
         <p:fade/>
       </p:transition>
@@ -41835,6 +41835,12 @@
 </file>
 
 <file path=customXml/item1.xml><?xml version="1.0" encoding="utf-8"?>
+<p:properties xmlns:p="http://schemas.microsoft.com/office/2006/metadata/properties" xmlns:xsi="http://www.w3.org/2001/XMLSchema-instance" xmlns:pc="http://schemas.microsoft.com/office/infopath/2007/PartnerControls">
+  <documentManagement/>
+</p:properties>
+</file>
+
+<file path=customXml/item2.xml><?xml version="1.0" encoding="utf-8"?>
 <ct:contentTypeSchema xmlns:ct="http://schemas.microsoft.com/office/2006/metadata/contentType" xmlns:ma="http://schemas.microsoft.com/office/2006/metadata/properties/metaAttributes" ct:_="" ma:_="" ma:contentTypeName="Dokument" ma:contentTypeID="0x010100E1D04352C426FF4EB98157414A31168F" ma:contentTypeVersion="8" ma:contentTypeDescription="Opprett et nytt dokument." ma:contentTypeScope="" ma:versionID="dbc57e044789b772fd52e5615b68805b">
   <xsd:schema xmlns:xsd="http://www.w3.org/2001/XMLSchema" xmlns:xs="http://www.w3.org/2001/XMLSchema" xmlns:p="http://schemas.microsoft.com/office/2006/metadata/properties" xmlns:ns2="f712c1aa-8c16-4b02-b1f2-f7889ce7c2b4" xmlns:ns3="a7ea6e10-947a-4ba0-9b65-eec85fb93921" targetNamespace="http://schemas.microsoft.com/office/2006/metadata/properties" ma:root="true" ma:fieldsID="6594e8e4992c94059d21ff5955562692" ns2:_="" ns3:_="">
     <xsd:import namespace="f712c1aa-8c16-4b02-b1f2-f7889ce7c2b4"/>
@@ -42025,7 +42031,7 @@
 </ct:contentTypeSchema>
 </file>
 
-<file path=customXml/item2.xml><?xml version="1.0" encoding="utf-8"?>
+<file path=customXml/item3.xml><?xml version="1.0" encoding="utf-8"?>
 <?mso-contentType ?>
 <FormTemplates xmlns="http://schemas.microsoft.com/sharepoint/v3/contenttype/forms">
   <Display>DocumentLibraryForm</Display>
@@ -42034,25 +42040,7 @@
 </FormTemplates>
 </file>
 
-<file path=customXml/item3.xml><?xml version="1.0" encoding="utf-8"?>
-<p:properties xmlns:p="http://schemas.microsoft.com/office/2006/metadata/properties" xmlns:xsi="http://www.w3.org/2001/XMLSchema-instance" xmlns:pc="http://schemas.microsoft.com/office/infopath/2007/PartnerControls">
-  <documentManagement/>
-</p:properties>
-</file>
-
 <file path=customXml/itemProps1.xml><?xml version="1.0" encoding="utf-8"?>
-<ds:datastoreItem xmlns:ds="http://schemas.openxmlformats.org/officeDocument/2006/customXml" ds:itemID="{B4D6BEF2-B02B-4BD1-9700-D009C3E7A6A4}"/>
-</file>
-
-<file path=customXml/itemProps2.xml><?xml version="1.0" encoding="utf-8"?>
-<ds:datastoreItem xmlns:ds="http://schemas.openxmlformats.org/officeDocument/2006/customXml" ds:itemID="{395B21A6-4BC1-49F8-B567-7F7CF8B8811A}">
-  <ds:schemaRefs>
-    <ds:schemaRef ds:uri="http://schemas.microsoft.com/sharepoint/v3/contenttype/forms"/>
-  </ds:schemaRefs>
-</ds:datastoreItem>
-</file>
-
-<file path=customXml/itemProps3.xml><?xml version="1.0" encoding="utf-8"?>
 <ds:datastoreItem xmlns:ds="http://schemas.openxmlformats.org/officeDocument/2006/customXml" ds:itemID="{E5C60F9C-C20B-4526-AA17-F705D3E3B420}">
   <ds:schemaRefs>
     <ds:schemaRef ds:uri="http://purl.org/dc/dcmitype/"/>
@@ -42067,4 +42055,31 @@
     <ds:schemaRef ds:uri="http://schemas.microsoft.com/office/2006/metadata/properties"/>
   </ds:schemaRefs>
 </ds:datastoreItem>
+</file>
+
+<file path=customXml/itemProps2.xml><?xml version="1.0" encoding="utf-8"?>
+<ds:datastoreItem xmlns:ds="http://schemas.openxmlformats.org/officeDocument/2006/customXml" ds:itemID="{B4D6BEF2-B02B-4BD1-9700-D009C3E7A6A4}">
+  <ds:schemaRefs>
+    <ds:schemaRef ds:uri="http://schemas.microsoft.com/office/2006/metadata/contentType"/>
+    <ds:schemaRef ds:uri="http://schemas.microsoft.com/office/2006/metadata/properties/metaAttributes"/>
+    <ds:schemaRef ds:uri="http://www.w3.org/2001/XMLSchema"/>
+    <ds:schemaRef ds:uri="http://schemas.microsoft.com/office/2006/metadata/properties"/>
+    <ds:schemaRef ds:uri="f712c1aa-8c16-4b02-b1f2-f7889ce7c2b4"/>
+    <ds:schemaRef ds:uri="a7ea6e10-947a-4ba0-9b65-eec85fb93921"/>
+    <ds:schemaRef ds:uri="http://schemas.microsoft.com/office/2006/documentManagement/types"/>
+    <ds:schemaRef ds:uri="http://schemas.microsoft.com/office/infopath/2007/PartnerControls"/>
+    <ds:schemaRef ds:uri="http://schemas.openxmlformats.org/package/2006/metadata/core-properties"/>
+    <ds:schemaRef ds:uri="http://purl.org/dc/elements/1.1/"/>
+    <ds:schemaRef ds:uri="http://purl.org/dc/terms/"/>
+    <ds:schemaRef ds:uri="http://schemas.microsoft.com/internal/obd"/>
+  </ds:schemaRefs>
+</ds:datastoreItem>
+</file>
+
+<file path=customXml/itemProps3.xml><?xml version="1.0" encoding="utf-8"?>
+<ds:datastoreItem xmlns:ds="http://schemas.openxmlformats.org/officeDocument/2006/customXml" ds:itemID="{395B21A6-4BC1-49F8-B567-7F7CF8B8811A}">
+  <ds:schemaRefs>
+    <ds:schemaRef ds:uri="http://schemas.microsoft.com/sharepoint/v3/contenttype/forms"/>
+  </ds:schemaRefs>
+</ds:datastoreItem>
 </file>